--- a/Tutorial 2 Presentation.pptx
+++ b/Tutorial 2 Presentation.pptx
@@ -5,7 +5,7 @@
     <p:sldMasterId id="2147483648" r:id="rId4"/>
   </p:sldMasterIdLst>
   <p:notesMasterIdLst>
-    <p:notesMasterId r:id="rId16"/>
+    <p:notesMasterId r:id="rId17"/>
   </p:notesMasterIdLst>
   <p:sldIdLst>
     <p:sldId id="530" r:id="rId5"/>
@@ -16,9 +16,10 @@
     <p:sldId id="552" r:id="rId10"/>
     <p:sldId id="553" r:id="rId11"/>
     <p:sldId id="554" r:id="rId12"/>
-    <p:sldId id="555" r:id="rId13"/>
-    <p:sldId id="556" r:id="rId14"/>
-    <p:sldId id="557" r:id="rId15"/>
+    <p:sldId id="558" r:id="rId13"/>
+    <p:sldId id="555" r:id="rId14"/>
+    <p:sldId id="556" r:id="rId15"/>
+    <p:sldId id="557" r:id="rId16"/>
   </p:sldIdLst>
   <p:sldSz cx="12192000" cy="6858000"/>
   <p:notesSz cx="6858000" cy="9144000"/>
@@ -130,6 +131,7 @@
             <p14:sldId id="552"/>
             <p14:sldId id="553"/>
             <p14:sldId id="554"/>
+            <p14:sldId id="558"/>
             <p14:sldId id="555"/>
             <p14:sldId id="556"/>
             <p14:sldId id="557"/>
@@ -156,12 +158,20 @@
 </p:cmAuthorLst>
 </file>
 
+<file path=ppt/revisionInfo.xml><?xml version="1.0" encoding="utf-8"?>
+<p1510:revInfo xmlns:a="http://schemas.openxmlformats.org/drawingml/2006/main" xmlns:r="http://schemas.openxmlformats.org/officeDocument/2006/relationships" xmlns:p1510="http://schemas.microsoft.com/office/powerpoint/2015/10/main">
+  <p1510:revLst>
+    <p1510:client id="{61BF6FA5-A0E5-874D-87DD-BE66671B8B22}" v="97" dt="2023-08-13T01:56:17.461"/>
+  </p1510:revLst>
+</p1510:revInfo>
+</file>
+
 <file path=ppt/changesInfos/changesInfo1.xml><?xml version="1.0" encoding="utf-8"?>
 <pc:chgInfo xmlns:a="http://schemas.openxmlformats.org/drawingml/2006/main" xmlns:r="http://schemas.openxmlformats.org/officeDocument/2006/relationships" xmlns:ac="http://schemas.microsoft.com/office/drawing/2013/main/command" xmlns:pc="http://schemas.microsoft.com/office/powerpoint/2013/main/command">
   <pc:docChgLst>
     <pc:chgData name="Seth Beckett" userId="7b293baf-36f7-4370-894f-fbd750732c3f" providerId="ADAL" clId="{61BF6FA5-A0E5-874D-87DD-BE66671B8B22}"/>
-    <pc:docChg chg="custSel modSld">
-      <pc:chgData name="Seth Beckett" userId="7b293baf-36f7-4370-894f-fbd750732c3f" providerId="ADAL" clId="{61BF6FA5-A0E5-874D-87DD-BE66671B8B22}" dt="2023-08-12T02:19:01.465" v="220" actId="20577"/>
+    <pc:docChg chg="undo custSel addSld modSld modSection">
+      <pc:chgData name="Seth Beckett" userId="7b293baf-36f7-4370-894f-fbd750732c3f" providerId="ADAL" clId="{61BF6FA5-A0E5-874D-87DD-BE66671B8B22}" dt="2023-08-13T02:02:22.951" v="2220" actId="20577"/>
       <pc:docMkLst>
         <pc:docMk/>
       </pc:docMkLst>
@@ -218,12 +228,160 @@
           </ac:spMkLst>
         </pc:spChg>
       </pc:sldChg>
+      <pc:sldChg chg="modSp">
+        <pc:chgData name="Seth Beckett" userId="7b293baf-36f7-4370-894f-fbd750732c3f" providerId="ADAL" clId="{61BF6FA5-A0E5-874D-87DD-BE66671B8B22}" dt="2023-08-13T01:29:28.769" v="311" actId="20577"/>
+        <pc:sldMkLst>
+          <pc:docMk/>
+          <pc:sldMk cId="2578273430" sldId="551"/>
+        </pc:sldMkLst>
+        <pc:graphicFrameChg chg="mod">
+          <ac:chgData name="Seth Beckett" userId="7b293baf-36f7-4370-894f-fbd750732c3f" providerId="ADAL" clId="{61BF6FA5-A0E5-874D-87DD-BE66671B8B22}" dt="2023-08-13T01:29:28.769" v="311" actId="20577"/>
+          <ac:graphicFrameMkLst>
+            <pc:docMk/>
+            <pc:sldMk cId="2578273430" sldId="551"/>
+            <ac:graphicFrameMk id="18" creationId="{79BF9B10-78AC-C1AC-812F-1A82654A89D1}"/>
+          </ac:graphicFrameMkLst>
+        </pc:graphicFrameChg>
+      </pc:sldChg>
+      <pc:sldChg chg="addSp delSp modSp mod">
+        <pc:chgData name="Seth Beckett" userId="7b293baf-36f7-4370-894f-fbd750732c3f" providerId="ADAL" clId="{61BF6FA5-A0E5-874D-87DD-BE66671B8B22}" dt="2023-08-13T01:38:33.117" v="579" actId="1076"/>
+        <pc:sldMkLst>
+          <pc:docMk/>
+          <pc:sldMk cId="3024376124" sldId="552"/>
+        </pc:sldMkLst>
+        <pc:spChg chg="mod">
+          <ac:chgData name="Seth Beckett" userId="7b293baf-36f7-4370-894f-fbd750732c3f" providerId="ADAL" clId="{61BF6FA5-A0E5-874D-87DD-BE66671B8B22}" dt="2023-08-13T01:34:27.112" v="334" actId="20577"/>
+          <ac:spMkLst>
+            <pc:docMk/>
+            <pc:sldMk cId="3024376124" sldId="552"/>
+            <ac:spMk id="2" creationId="{D249E45E-D6A7-9780-F652-BAF86DFBCC00}"/>
+          </ac:spMkLst>
+        </pc:spChg>
+        <pc:spChg chg="mod">
+          <ac:chgData name="Seth Beckett" userId="7b293baf-36f7-4370-894f-fbd750732c3f" providerId="ADAL" clId="{61BF6FA5-A0E5-874D-87DD-BE66671B8B22}" dt="2023-08-13T01:35:37.337" v="572" actId="20577"/>
+          <ac:spMkLst>
+            <pc:docMk/>
+            <pc:sldMk cId="3024376124" sldId="552"/>
+            <ac:spMk id="4" creationId="{BE22F651-7ABC-015D-B5C4-622708A64CB1}"/>
+          </ac:spMkLst>
+        </pc:spChg>
+        <pc:picChg chg="add mod">
+          <ac:chgData name="Seth Beckett" userId="7b293baf-36f7-4370-894f-fbd750732c3f" providerId="ADAL" clId="{61BF6FA5-A0E5-874D-87DD-BE66671B8B22}" dt="2023-08-13T01:38:33.117" v="579" actId="1076"/>
+          <ac:picMkLst>
+            <pc:docMk/>
+            <pc:sldMk cId="3024376124" sldId="552"/>
+            <ac:picMk id="3" creationId="{02AAA03C-F23D-142F-E5EB-92DD6E27FC91}"/>
+          </ac:picMkLst>
+        </pc:picChg>
+        <pc:picChg chg="del">
+          <ac:chgData name="Seth Beckett" userId="7b293baf-36f7-4370-894f-fbd750732c3f" providerId="ADAL" clId="{61BF6FA5-A0E5-874D-87DD-BE66671B8B22}" dt="2023-08-13T01:38:16.382" v="575" actId="478"/>
+          <ac:picMkLst>
+            <pc:docMk/>
+            <pc:sldMk cId="3024376124" sldId="552"/>
+            <ac:picMk id="16" creationId="{3DC1E6DA-2E1D-F731-D83A-A1499254E6D4}"/>
+          </ac:picMkLst>
+        </pc:picChg>
+      </pc:sldChg>
+      <pc:sldChg chg="addSp delSp modSp mod">
+        <pc:chgData name="Seth Beckett" userId="7b293baf-36f7-4370-894f-fbd750732c3f" providerId="ADAL" clId="{61BF6FA5-A0E5-874D-87DD-BE66671B8B22}" dt="2023-08-13T01:48:59.949" v="1036" actId="1076"/>
+        <pc:sldMkLst>
+          <pc:docMk/>
+          <pc:sldMk cId="256136551" sldId="553"/>
+        </pc:sldMkLst>
+        <pc:spChg chg="mod">
+          <ac:chgData name="Seth Beckett" userId="7b293baf-36f7-4370-894f-fbd750732c3f" providerId="ADAL" clId="{61BF6FA5-A0E5-874D-87DD-BE66671B8B22}" dt="2023-08-13T01:38:52.974" v="612" actId="20577"/>
+          <ac:spMkLst>
+            <pc:docMk/>
+            <pc:sldMk cId="256136551" sldId="553"/>
+            <ac:spMk id="2" creationId="{D249E45E-D6A7-9780-F652-BAF86DFBCC00}"/>
+          </ac:spMkLst>
+        </pc:spChg>
+        <pc:spChg chg="mod">
+          <ac:chgData name="Seth Beckett" userId="7b293baf-36f7-4370-894f-fbd750732c3f" providerId="ADAL" clId="{61BF6FA5-A0E5-874D-87DD-BE66671B8B22}" dt="2023-08-13T01:47:45.792" v="1031" actId="242"/>
+          <ac:spMkLst>
+            <pc:docMk/>
+            <pc:sldMk cId="256136551" sldId="553"/>
+            <ac:spMk id="4" creationId="{BE22F651-7ABC-015D-B5C4-622708A64CB1}"/>
+          </ac:spMkLst>
+        </pc:spChg>
+        <pc:picChg chg="del">
+          <ac:chgData name="Seth Beckett" userId="7b293baf-36f7-4370-894f-fbd750732c3f" providerId="ADAL" clId="{61BF6FA5-A0E5-874D-87DD-BE66671B8B22}" dt="2023-08-13T01:47:52.948" v="1032" actId="478"/>
+          <ac:picMkLst>
+            <pc:docMk/>
+            <pc:sldMk cId="256136551" sldId="553"/>
+            <ac:picMk id="3" creationId="{840C9BBA-B3E9-1CFD-E565-F5A697B8AA7D}"/>
+          </ac:picMkLst>
+        </pc:picChg>
+        <pc:picChg chg="add mod">
+          <ac:chgData name="Seth Beckett" userId="7b293baf-36f7-4370-894f-fbd750732c3f" providerId="ADAL" clId="{61BF6FA5-A0E5-874D-87DD-BE66671B8B22}" dt="2023-08-13T01:48:59.949" v="1036" actId="1076"/>
+          <ac:picMkLst>
+            <pc:docMk/>
+            <pc:sldMk cId="256136551" sldId="553"/>
+            <ac:picMk id="5" creationId="{2C9A9592-FE1F-EDCF-13F1-001A1F62760E}"/>
+          </ac:picMkLst>
+        </pc:picChg>
+      </pc:sldChg>
+      <pc:sldChg chg="addSp delSp modSp mod">
+        <pc:chgData name="Seth Beckett" userId="7b293baf-36f7-4370-894f-fbd750732c3f" providerId="ADAL" clId="{61BF6FA5-A0E5-874D-87DD-BE66671B8B22}" dt="2023-08-13T01:54:31.004" v="1459" actId="1076"/>
+        <pc:sldMkLst>
+          <pc:docMk/>
+          <pc:sldMk cId="427216838" sldId="554"/>
+        </pc:sldMkLst>
+        <pc:spChg chg="mod">
+          <ac:chgData name="Seth Beckett" userId="7b293baf-36f7-4370-894f-fbd750732c3f" providerId="ADAL" clId="{61BF6FA5-A0E5-874D-87DD-BE66671B8B22}" dt="2023-08-13T01:49:27.764" v="1066" actId="20577"/>
+          <ac:spMkLst>
+            <pc:docMk/>
+            <pc:sldMk cId="427216838" sldId="554"/>
+            <ac:spMk id="2" creationId="{D249E45E-D6A7-9780-F652-BAF86DFBCC00}"/>
+          </ac:spMkLst>
+        </pc:spChg>
+        <pc:spChg chg="mod">
+          <ac:chgData name="Seth Beckett" userId="7b293baf-36f7-4370-894f-fbd750732c3f" providerId="ADAL" clId="{61BF6FA5-A0E5-874D-87DD-BE66671B8B22}" dt="2023-08-13T01:54:11.145" v="1454" actId="242"/>
+          <ac:spMkLst>
+            <pc:docMk/>
+            <pc:sldMk cId="427216838" sldId="554"/>
+            <ac:spMk id="4" creationId="{BE22F651-7ABC-015D-B5C4-622708A64CB1}"/>
+          </ac:spMkLst>
+        </pc:spChg>
+        <pc:picChg chg="del">
+          <ac:chgData name="Seth Beckett" userId="7b293baf-36f7-4370-894f-fbd750732c3f" providerId="ADAL" clId="{61BF6FA5-A0E5-874D-87DD-BE66671B8B22}" dt="2023-08-13T01:54:16.449" v="1455" actId="478"/>
+          <ac:picMkLst>
+            <pc:docMk/>
+            <pc:sldMk cId="427216838" sldId="554"/>
+            <ac:picMk id="3" creationId="{EB244D67-0FDF-C9BB-7C46-4CECE076EFF6}"/>
+          </ac:picMkLst>
+        </pc:picChg>
+        <pc:picChg chg="add mod">
+          <ac:chgData name="Seth Beckett" userId="7b293baf-36f7-4370-894f-fbd750732c3f" providerId="ADAL" clId="{61BF6FA5-A0E5-874D-87DD-BE66671B8B22}" dt="2023-08-13T01:54:31.004" v="1459" actId="1076"/>
+          <ac:picMkLst>
+            <pc:docMk/>
+            <pc:sldMk cId="427216838" sldId="554"/>
+            <ac:picMk id="5" creationId="{5D821672-220B-1FEF-66BA-34D265B3B390}"/>
+          </ac:picMkLst>
+        </pc:picChg>
+      </pc:sldChg>
       <pc:sldChg chg="delSp modSp mod">
-        <pc:chgData name="Seth Beckett" userId="7b293baf-36f7-4370-894f-fbd750732c3f" providerId="ADAL" clId="{61BF6FA5-A0E5-874D-87DD-BE66671B8B22}" dt="2023-08-12T02:15:02.291" v="4" actId="478"/>
+        <pc:chgData name="Seth Beckett" userId="7b293baf-36f7-4370-894f-fbd750732c3f" providerId="ADAL" clId="{61BF6FA5-A0E5-874D-87DD-BE66671B8B22}" dt="2023-08-13T01:58:43.134" v="1885" actId="20577"/>
         <pc:sldMkLst>
           <pc:docMk/>
           <pc:sldMk cId="3713828111" sldId="555"/>
         </pc:sldMkLst>
+        <pc:spChg chg="mod">
+          <ac:chgData name="Seth Beckett" userId="7b293baf-36f7-4370-894f-fbd750732c3f" providerId="ADAL" clId="{61BF6FA5-A0E5-874D-87DD-BE66671B8B22}" dt="2023-08-13T01:57:40.218" v="1723" actId="20577"/>
+          <ac:spMkLst>
+            <pc:docMk/>
+            <pc:sldMk cId="3713828111" sldId="555"/>
+            <ac:spMk id="4" creationId="{BE22F651-7ABC-015D-B5C4-622708A64CB1}"/>
+          </ac:spMkLst>
+        </pc:spChg>
+        <pc:spChg chg="mod">
+          <ac:chgData name="Seth Beckett" userId="7b293baf-36f7-4370-894f-fbd750732c3f" providerId="ADAL" clId="{61BF6FA5-A0E5-874D-87DD-BE66671B8B22}" dt="2023-08-13T01:58:43.134" v="1885" actId="20577"/>
+          <ac:spMkLst>
+            <pc:docMk/>
+            <pc:sldMk cId="3713828111" sldId="555"/>
+            <ac:spMk id="6" creationId="{3DF22CC9-1295-2B21-05A9-68A44E669B8F}"/>
+          </ac:spMkLst>
+        </pc:spChg>
         <pc:spChg chg="del mod">
           <ac:chgData name="Seth Beckett" userId="7b293baf-36f7-4370-894f-fbd750732c3f" providerId="ADAL" clId="{61BF6FA5-A0E5-874D-87DD-BE66671B8B22}" dt="2023-08-12T02:15:02.291" v="4" actId="478"/>
           <ac:spMkLst>
@@ -232,6 +390,68 @@
             <ac:spMk id="7" creationId="{A9F57080-19CA-8BBA-6050-8494551D4615}"/>
           </ac:spMkLst>
         </pc:spChg>
+      </pc:sldChg>
+      <pc:sldChg chg="modSp mod">
+        <pc:chgData name="Seth Beckett" userId="7b293baf-36f7-4370-894f-fbd750732c3f" providerId="ADAL" clId="{61BF6FA5-A0E5-874D-87DD-BE66671B8B22}" dt="2023-08-13T02:02:22.951" v="2220" actId="20577"/>
+        <pc:sldMkLst>
+          <pc:docMk/>
+          <pc:sldMk cId="1206538959" sldId="556"/>
+        </pc:sldMkLst>
+        <pc:spChg chg="mod">
+          <ac:chgData name="Seth Beckett" userId="7b293baf-36f7-4370-894f-fbd750732c3f" providerId="ADAL" clId="{61BF6FA5-A0E5-874D-87DD-BE66671B8B22}" dt="2023-08-13T02:02:22.951" v="2220" actId="20577"/>
+          <ac:spMkLst>
+            <pc:docMk/>
+            <pc:sldMk cId="1206538959" sldId="556"/>
+            <ac:spMk id="3" creationId="{6F9C1627-7A56-025E-482D-E2AB014EDF92}"/>
+          </ac:spMkLst>
+        </pc:spChg>
+      </pc:sldChg>
+      <pc:sldChg chg="addSp delSp modSp add mod">
+        <pc:chgData name="Seth Beckett" userId="7b293baf-36f7-4370-894f-fbd750732c3f" providerId="ADAL" clId="{61BF6FA5-A0E5-874D-87DD-BE66671B8B22}" dt="2023-08-13T01:56:27.277" v="1474" actId="1076"/>
+        <pc:sldMkLst>
+          <pc:docMk/>
+          <pc:sldMk cId="3147078314" sldId="558"/>
+        </pc:sldMkLst>
+        <pc:spChg chg="mod">
+          <ac:chgData name="Seth Beckett" userId="7b293baf-36f7-4370-894f-fbd750732c3f" providerId="ADAL" clId="{61BF6FA5-A0E5-874D-87DD-BE66671B8B22}" dt="2023-08-13T01:56:10.122" v="1467" actId="242"/>
+          <ac:spMkLst>
+            <pc:docMk/>
+            <pc:sldMk cId="3147078314" sldId="558"/>
+            <ac:spMk id="2" creationId="{D249E45E-D6A7-9780-F652-BAF86DFBCC00}"/>
+          </ac:spMkLst>
+        </pc:spChg>
+        <pc:spChg chg="del">
+          <ac:chgData name="Seth Beckett" userId="7b293baf-36f7-4370-894f-fbd750732c3f" providerId="ADAL" clId="{61BF6FA5-A0E5-874D-87DD-BE66671B8B22}" dt="2023-08-13T01:56:13.472" v="1468" actId="478"/>
+          <ac:spMkLst>
+            <pc:docMk/>
+            <pc:sldMk cId="3147078314" sldId="558"/>
+            <ac:spMk id="4" creationId="{BE22F651-7ABC-015D-B5C4-622708A64CB1}"/>
+          </ac:spMkLst>
+        </pc:spChg>
+        <pc:spChg chg="add del mod">
+          <ac:chgData name="Seth Beckett" userId="7b293baf-36f7-4370-894f-fbd750732c3f" providerId="ADAL" clId="{61BF6FA5-A0E5-874D-87DD-BE66671B8B22}" dt="2023-08-13T01:56:15.232" v="1469" actId="478"/>
+          <ac:spMkLst>
+            <pc:docMk/>
+            <pc:sldMk cId="3147078314" sldId="558"/>
+            <ac:spMk id="6" creationId="{BA266EBB-5F33-0379-488A-0C2F3A5DFD4A}"/>
+          </ac:spMkLst>
+        </pc:spChg>
+        <pc:picChg chg="del">
+          <ac:chgData name="Seth Beckett" userId="7b293baf-36f7-4370-894f-fbd750732c3f" providerId="ADAL" clId="{61BF6FA5-A0E5-874D-87DD-BE66671B8B22}" dt="2023-08-13T01:56:15.911" v="1470" actId="478"/>
+          <ac:picMkLst>
+            <pc:docMk/>
+            <pc:sldMk cId="3147078314" sldId="558"/>
+            <ac:picMk id="5" creationId="{5D821672-220B-1FEF-66BA-34D265B3B390}"/>
+          </ac:picMkLst>
+        </pc:picChg>
+        <pc:picChg chg="add mod">
+          <ac:chgData name="Seth Beckett" userId="7b293baf-36f7-4370-894f-fbd750732c3f" providerId="ADAL" clId="{61BF6FA5-A0E5-874D-87DD-BE66671B8B22}" dt="2023-08-13T01:56:27.277" v="1474" actId="1076"/>
+          <ac:picMkLst>
+            <pc:docMk/>
+            <pc:sldMk cId="3147078314" sldId="558"/>
+            <ac:picMk id="7" creationId="{FD1FBA83-EAD4-7CF1-33DA-18C567461A01}"/>
+          </ac:picMkLst>
+        </pc:picChg>
       </pc:sldChg>
     </pc:docChg>
   </pc:docChgLst>
@@ -1209,7 +1429,7 @@
         <a:p>
           <a:r>
             <a:rPr lang="en-US" dirty="0"/>
-            <a:t>Data Preprocessing</a:t>
+            <a:t>Automating Change Detection</a:t>
           </a:r>
         </a:p>
       </dgm:t>
@@ -1245,7 +1465,7 @@
         <a:p>
           <a:r>
             <a:rPr lang="en-US" dirty="0"/>
-            <a:t>Data Wrangling</a:t>
+            <a:t>Creating &amp; Formatting Output</a:t>
           </a:r>
         </a:p>
       </dgm:t>
@@ -1403,12 +1623,12 @@
         </a:fontRef>
       </dsp:style>
       <dsp:txBody>
-        <a:bodyPr spcFirstLastPara="0" vert="horz" wrap="square" lIns="112014" tIns="37338" rIns="37338" bIns="37338" numCol="1" spcCol="1270" anchor="ctr" anchorCtr="0">
+        <a:bodyPr spcFirstLastPara="0" vert="horz" wrap="square" lIns="120015" tIns="40005" rIns="40005" bIns="40005" numCol="1" spcCol="1270" anchor="ctr" anchorCtr="0">
           <a:noAutofit/>
         </a:bodyPr>
         <a:lstStyle/>
         <a:p>
-          <a:pPr marL="0" lvl="0" indent="0" algn="ctr" defTabSz="1244600">
+          <a:pPr marL="0" lvl="0" indent="0" algn="ctr" defTabSz="1333500">
             <a:lnSpc>
               <a:spcPct val="90000"/>
             </a:lnSpc>
@@ -1421,7 +1641,7 @@
             <a:buNone/>
           </a:pPr>
           <a:r>
-            <a:rPr lang="en-US" sz="2800" kern="1200" dirty="0"/>
+            <a:rPr lang="en-US" sz="3000" kern="1200" dirty="0"/>
             <a:t>Create Imitation Data</a:t>
           </a:r>
         </a:p>
@@ -1481,12 +1701,12 @@
         </a:fontRef>
       </dsp:style>
       <dsp:txBody>
-        <a:bodyPr spcFirstLastPara="0" vert="horz" wrap="square" lIns="112014" tIns="37338" rIns="37338" bIns="37338" numCol="1" spcCol="1270" anchor="ctr" anchorCtr="0">
+        <a:bodyPr spcFirstLastPara="0" vert="horz" wrap="square" lIns="120015" tIns="40005" rIns="40005" bIns="40005" numCol="1" spcCol="1270" anchor="ctr" anchorCtr="0">
           <a:noAutofit/>
         </a:bodyPr>
         <a:lstStyle/>
         <a:p>
-          <a:pPr marL="0" lvl="0" indent="0" algn="ctr" defTabSz="1244600">
+          <a:pPr marL="0" lvl="0" indent="0" algn="ctr" defTabSz="1333500">
             <a:lnSpc>
               <a:spcPct val="90000"/>
             </a:lnSpc>
@@ -1499,8 +1719,8 @@
             <a:buNone/>
           </a:pPr>
           <a:r>
-            <a:rPr lang="en-US" sz="2800" kern="1200" dirty="0"/>
-            <a:t>Data Preprocessing</a:t>
+            <a:rPr lang="en-US" sz="3000" kern="1200" dirty="0"/>
+            <a:t>Automating Change Detection</a:t>
           </a:r>
         </a:p>
       </dsp:txBody>
@@ -1559,12 +1779,12 @@
         </a:fontRef>
       </dsp:style>
       <dsp:txBody>
-        <a:bodyPr spcFirstLastPara="0" vert="horz" wrap="square" lIns="112014" tIns="37338" rIns="37338" bIns="37338" numCol="1" spcCol="1270" anchor="ctr" anchorCtr="0">
+        <a:bodyPr spcFirstLastPara="0" vert="horz" wrap="square" lIns="120015" tIns="40005" rIns="40005" bIns="40005" numCol="1" spcCol="1270" anchor="ctr" anchorCtr="0">
           <a:noAutofit/>
         </a:bodyPr>
         <a:lstStyle/>
         <a:p>
-          <a:pPr marL="0" lvl="0" indent="0" algn="ctr" defTabSz="1244600">
+          <a:pPr marL="0" lvl="0" indent="0" algn="ctr" defTabSz="1333500">
             <a:lnSpc>
               <a:spcPct val="90000"/>
             </a:lnSpc>
@@ -1577,8 +1797,8 @@
             <a:buNone/>
           </a:pPr>
           <a:r>
-            <a:rPr lang="en-US" sz="2800" kern="1200" dirty="0"/>
-            <a:t>Data Wrangling</a:t>
+            <a:rPr lang="en-US" sz="3000" kern="1200" dirty="0"/>
+            <a:t>Creating &amp; Formatting Output</a:t>
           </a:r>
         </a:p>
       </dsp:txBody>
@@ -19853,7 +20073,7 @@
           <p:cNvPr id="2" name="Title 1">
             <a:extLst>
               <a:ext uri="{FF2B5EF4-FFF2-40B4-BE49-F238E27FC236}">
-                <a16:creationId xmlns:a16="http://schemas.microsoft.com/office/drawing/2014/main" id="{48C5BC92-868A-26B2-CBC0-C9D94E65F1A4}"/>
+                <a16:creationId xmlns:a16="http://schemas.microsoft.com/office/drawing/2014/main" id="{D249E45E-D6A7-9780-F652-BAF86DFBCC00}"/>
               </a:ext>
             </a:extLst>
           </p:cNvPr>
@@ -19861,7 +20081,7 @@
             <a:spLocks noGrp="1"/>
           </p:cNvSpPr>
           <p:nvPr>
-            <p:ph type="ctrTitle"/>
+            <p:ph type="title"/>
           </p:nvPr>
         </p:nvSpPr>
         <p:spPr/>
@@ -19870,30 +20090,18 @@
           <a:lstStyle/>
           <a:p>
             <a:r>
-              <a:rPr lang="en-US" sz="4000" b="1" spc="600" dirty="0">
-                <a:ln w="28575">
-                  <a:noFill/>
-                  <a:prstDash val="solid"/>
-                </a:ln>
-                <a:solidFill>
-                  <a:schemeClr val="bg1"/>
-                </a:solidFill>
-                <a:latin typeface="Tw Cen MT" panose="020B0602020104020603" pitchFamily="34" charset="77"/>
-                <a:ea typeface="Verdana" panose="020B0604030504040204" pitchFamily="34" charset="0"/>
-                <a:cs typeface="Verdana" panose="020B0604030504040204" pitchFamily="34" charset="0"/>
-              </a:rPr>
-              <a:t>Conclusion</a:t>
+              <a:rPr lang="en-US" dirty="0"/>
+              <a:t>Roadblocks</a:t>
             </a:r>
-            <a:endParaRPr lang="en-US" dirty="0"/>
-          </a:p>
-        </p:txBody>
-      </p:sp>
-      <p:sp>
-        <p:nvSpPr>
-          <p:cNvPr id="3" name="Subtitle 2">
-            <a:extLst>
-              <a:ext uri="{FF2B5EF4-FFF2-40B4-BE49-F238E27FC236}">
-                <a16:creationId xmlns:a16="http://schemas.microsoft.com/office/drawing/2014/main" id="{6F9C1627-7A56-025E-482D-E2AB014EDF92}"/>
+          </a:p>
+        </p:txBody>
+      </p:sp>
+      <p:sp>
+        <p:nvSpPr>
+          <p:cNvPr id="8" name="Slide Number Placeholder 7">
+            <a:extLst>
+              <a:ext uri="{FF2B5EF4-FFF2-40B4-BE49-F238E27FC236}">
+                <a16:creationId xmlns:a16="http://schemas.microsoft.com/office/drawing/2014/main" id="{85577A64-4E94-69E1-3180-1E014BD06B3C}"/>
               </a:ext>
             </a:extLst>
           </p:cNvPr>
@@ -19901,7 +20109,7 @@
             <a:spLocks noGrp="1"/>
           </p:cNvSpPr>
           <p:nvPr>
-            <p:ph type="subTitle" idx="1"/>
+            <p:ph type="sldNum" sz="quarter" idx="12"/>
           </p:nvPr>
         </p:nvSpPr>
         <p:spPr/>
@@ -19909,32 +20117,145 @@
           <a:bodyPr/>
           <a:lstStyle/>
           <a:p>
+            <a:fld id="{294A09A9-5501-47C1-A89A-A340965A2BE2}" type="slidenum">
+              <a:rPr lang="en-US" smtClean="0"/>
+              <a:t>10</a:t>
+            </a:fld>
+            <a:endParaRPr lang="en-US" dirty="0"/>
+          </a:p>
+        </p:txBody>
+      </p:sp>
+      <p:sp>
+        <p:nvSpPr>
+          <p:cNvPr id="3" name="Text Placeholder 2">
+            <a:extLst>
+              <a:ext uri="{FF2B5EF4-FFF2-40B4-BE49-F238E27FC236}">
+                <a16:creationId xmlns:a16="http://schemas.microsoft.com/office/drawing/2014/main" id="{C31605EE-24B6-95D8-DE5E-BEC2F03ECECA}"/>
+              </a:ext>
+            </a:extLst>
+          </p:cNvPr>
+          <p:cNvSpPr>
+            <a:spLocks noGrp="1"/>
+          </p:cNvSpPr>
+          <p:nvPr>
+            <p:ph type="body" idx="1"/>
+          </p:nvPr>
+        </p:nvSpPr>
+        <p:spPr/>
+        <p:txBody>
+          <a:bodyPr/>
+          <a:lstStyle/>
+          <a:p>
             <a:r>
-              <a:rPr lang="en-US" dirty="0">
-                <a:latin typeface="Segoe UI Light" panose="020B0502040204020203" pitchFamily="34" charset="0"/>
-                <a:ea typeface="+mn-lt"/>
-                <a:cs typeface="Segoe UI Light" panose="020B0502040204020203" pitchFamily="34" charset="0"/>
-              </a:rPr>
-              <a:t>While this is just a simulated version of what I actually did, creating this flow in Python and integrating it with our systems decreased the processing time of HR data by 10-20x. Now my team (which is not the most technical team) can leverage this Python script to ensure data integrity and reduce manual labor.</a:t>
+              <a:rPr lang="en-US" dirty="0"/>
+              <a:t>Technical</a:t>
             </a:r>
-            <a:endParaRPr lang="en-US" sz="1800" dirty="0">
-              <a:solidFill>
-                <a:schemeClr val="bg1"/>
-              </a:solidFill>
-              <a:latin typeface="Segoe UI Light" panose="020B0502040204020203" pitchFamily="34" charset="0"/>
-              <a:ea typeface="+mn-lt"/>
-              <a:cs typeface="Segoe UI Light" panose="020B0502040204020203" pitchFamily="34" charset="0"/>
-            </a:endParaRPr>
+          </a:p>
+        </p:txBody>
+      </p:sp>
+      <p:sp>
+        <p:nvSpPr>
+          <p:cNvPr id="4" name="Content Placeholder 3">
+            <a:extLst>
+              <a:ext uri="{FF2B5EF4-FFF2-40B4-BE49-F238E27FC236}">
+                <a16:creationId xmlns:a16="http://schemas.microsoft.com/office/drawing/2014/main" id="{BE22F651-7ABC-015D-B5C4-622708A64CB1}"/>
+              </a:ext>
+            </a:extLst>
+          </p:cNvPr>
+          <p:cNvSpPr>
+            <a:spLocks noGrp="1"/>
+          </p:cNvSpPr>
+          <p:nvPr>
+            <p:ph sz="half" idx="2"/>
+          </p:nvPr>
+        </p:nvSpPr>
+        <p:spPr/>
+        <p:txBody>
+          <a:bodyPr/>
+          <a:lstStyle/>
+          <a:p>
+            <a:r>
+              <a:rPr lang="en-US" dirty="0"/>
+              <a:t>Checking for changes, I ran into several issues with the logic behind it. Sometimes we would get data that changed format between months, which would cause difficulties in creating generalizable code</a:t>
+            </a:r>
           </a:p>
           <a:p>
             <a:endParaRPr lang="en-US" dirty="0"/>
+          </a:p>
+        </p:txBody>
+      </p:sp>
+      <p:sp>
+        <p:nvSpPr>
+          <p:cNvPr id="5" name="Text Placeholder 4">
+            <a:extLst>
+              <a:ext uri="{FF2B5EF4-FFF2-40B4-BE49-F238E27FC236}">
+                <a16:creationId xmlns:a16="http://schemas.microsoft.com/office/drawing/2014/main" id="{6A1E0F07-3291-4EE2-1286-04C97165BA68}"/>
+              </a:ext>
+            </a:extLst>
+          </p:cNvPr>
+          <p:cNvSpPr>
+            <a:spLocks noGrp="1"/>
+          </p:cNvSpPr>
+          <p:nvPr>
+            <p:ph type="body" sz="quarter" idx="3"/>
+          </p:nvPr>
+        </p:nvSpPr>
+        <p:spPr/>
+        <p:txBody>
+          <a:bodyPr/>
+          <a:lstStyle/>
+          <a:p>
+            <a:r>
+              <a:rPr lang="en-US" dirty="0"/>
+              <a:t>Other</a:t>
+            </a:r>
+          </a:p>
+        </p:txBody>
+      </p:sp>
+      <p:sp>
+        <p:nvSpPr>
+          <p:cNvPr id="6" name="Content Placeholder 5">
+            <a:extLst>
+              <a:ext uri="{FF2B5EF4-FFF2-40B4-BE49-F238E27FC236}">
+                <a16:creationId xmlns:a16="http://schemas.microsoft.com/office/drawing/2014/main" id="{3DF22CC9-1295-2B21-05A9-68A44E669B8F}"/>
+              </a:ext>
+            </a:extLst>
+          </p:cNvPr>
+          <p:cNvSpPr>
+            <a:spLocks noGrp="1"/>
+          </p:cNvSpPr>
+          <p:nvPr>
+            <p:ph sz="quarter" idx="4"/>
+          </p:nvPr>
+        </p:nvSpPr>
+        <p:spPr/>
+        <p:txBody>
+          <a:bodyPr/>
+          <a:lstStyle/>
+          <a:p>
+            <a:r>
+              <a:rPr lang="en-US" dirty="0"/>
+              <a:t>Team is nontechnical, so any changes I made or code I created had to be meticulously documented</a:t>
+            </a:r>
+          </a:p>
+          <a:p>
+            <a:r>
+              <a:rPr lang="en-US" dirty="0"/>
+              <a:t>Balancing this project with other projects and responsibilities</a:t>
+            </a:r>
+          </a:p>
+          <a:p>
+            <a:r>
+              <a:rPr lang="en-US" dirty="0"/>
+              <a:t>Accessing protected data as a new employee proved to be a tedious experience, as DFS is a very secure company</a:t>
+            </a:r>
           </a:p>
         </p:txBody>
       </p:sp>
     </p:spTree>
     <p:extLst>
       <p:ext uri="{BB962C8B-B14F-4D97-AF65-F5344CB8AC3E}">
-        <p14:creationId xmlns:p14="http://schemas.microsoft.com/office/powerpoint/2010/main" val="1206538959"/>
+        <p14:creationId xmlns:p14="http://schemas.microsoft.com/office/powerpoint/2010/main" val="3713828111"/>
       </p:ext>
     </p:extLst>
   </p:cSld>
@@ -19966,6 +20287,109 @@
           <p:cNvPr id="2" name="Title 1">
             <a:extLst>
               <a:ext uri="{FF2B5EF4-FFF2-40B4-BE49-F238E27FC236}">
+                <a16:creationId xmlns:a16="http://schemas.microsoft.com/office/drawing/2014/main" id="{48C5BC92-868A-26B2-CBC0-C9D94E65F1A4}"/>
+              </a:ext>
+            </a:extLst>
+          </p:cNvPr>
+          <p:cNvSpPr>
+            <a:spLocks noGrp="1"/>
+          </p:cNvSpPr>
+          <p:nvPr>
+            <p:ph type="ctrTitle"/>
+          </p:nvPr>
+        </p:nvSpPr>
+        <p:spPr/>
+        <p:txBody>
+          <a:bodyPr/>
+          <a:lstStyle/>
+          <a:p>
+            <a:r>
+              <a:rPr lang="en-US" sz="4000" b="1" spc="600" dirty="0">
+                <a:ln w="28575">
+                  <a:noFill/>
+                  <a:prstDash val="solid"/>
+                </a:ln>
+                <a:solidFill>
+                  <a:schemeClr val="bg1"/>
+                </a:solidFill>
+                <a:latin typeface="Tw Cen MT" panose="020B0602020104020603" pitchFamily="34" charset="77"/>
+                <a:ea typeface="Verdana" panose="020B0604030504040204" pitchFamily="34" charset="0"/>
+                <a:cs typeface="Verdana" panose="020B0604030504040204" pitchFamily="34" charset="0"/>
+              </a:rPr>
+              <a:t>Conclusion</a:t>
+            </a:r>
+            <a:endParaRPr lang="en-US" dirty="0"/>
+          </a:p>
+        </p:txBody>
+      </p:sp>
+      <p:sp>
+        <p:nvSpPr>
+          <p:cNvPr id="3" name="Subtitle 2">
+            <a:extLst>
+              <a:ext uri="{FF2B5EF4-FFF2-40B4-BE49-F238E27FC236}">
+                <a16:creationId xmlns:a16="http://schemas.microsoft.com/office/drawing/2014/main" id="{6F9C1627-7A56-025E-482D-E2AB014EDF92}"/>
+              </a:ext>
+            </a:extLst>
+          </p:cNvPr>
+          <p:cNvSpPr>
+            <a:spLocks noGrp="1"/>
+          </p:cNvSpPr>
+          <p:nvPr>
+            <p:ph type="subTitle" idx="1"/>
+          </p:nvPr>
+        </p:nvSpPr>
+        <p:spPr/>
+        <p:txBody>
+          <a:bodyPr/>
+          <a:lstStyle/>
+          <a:p>
+            <a:r>
+              <a:rPr lang="en-US" dirty="0">
+                <a:latin typeface="Segoe UI Light" panose="020B0502040204020203" pitchFamily="34" charset="0"/>
+                <a:ea typeface="+mn-lt"/>
+                <a:cs typeface="Segoe UI Light" panose="020B0502040204020203" pitchFamily="34" charset="0"/>
+              </a:rPr>
+              <a:t>By creating this Python process for tracking and checking for updates of data between months, I was able to save my company 50+ hours of manually searching and verifying data per year. This process ensures a consistent and verifiable data checking process.</a:t>
+            </a:r>
+            <a:endParaRPr lang="en-US" dirty="0"/>
+          </a:p>
+        </p:txBody>
+      </p:sp>
+    </p:spTree>
+    <p:extLst>
+      <p:ext uri="{BB962C8B-B14F-4D97-AF65-F5344CB8AC3E}">
+        <p14:creationId xmlns:p14="http://schemas.microsoft.com/office/powerpoint/2010/main" val="1206538959"/>
+      </p:ext>
+    </p:extLst>
+  </p:cSld>
+  <p:clrMapOvr>
+    <a:masterClrMapping/>
+  </p:clrMapOvr>
+</p:sld>
+</file>
+
+<file path=ppt/slides/slide12.xml><?xml version="1.0" encoding="utf-8"?>
+<p:sld xmlns:a="http://schemas.openxmlformats.org/drawingml/2006/main" xmlns:r="http://schemas.openxmlformats.org/officeDocument/2006/relationships" xmlns:p="http://schemas.openxmlformats.org/presentationml/2006/main">
+  <p:cSld>
+    <p:spTree>
+      <p:nvGrpSpPr>
+        <p:cNvPr id="1" name=""/>
+        <p:cNvGrpSpPr/>
+        <p:nvPr/>
+      </p:nvGrpSpPr>
+      <p:grpSpPr>
+        <a:xfrm>
+          <a:off x="0" y="0"/>
+          <a:ext cx="0" cy="0"/>
+          <a:chOff x="0" y="0"/>
+          <a:chExt cx="0" cy="0"/>
+        </a:xfrm>
+      </p:grpSpPr>
+      <p:sp>
+        <p:nvSpPr>
+          <p:cNvPr id="2" name="Title 1">
+            <a:extLst>
+              <a:ext uri="{FF2B5EF4-FFF2-40B4-BE49-F238E27FC236}">
                 <a16:creationId xmlns:a16="http://schemas.microsoft.com/office/drawing/2014/main" id="{D249E45E-D6A7-9780-F652-BAF86DFBCC00}"/>
               </a:ext>
             </a:extLst>
@@ -20012,7 +20436,7 @@
           <a:p>
             <a:fld id="{294A09A9-5501-47C1-A89A-A340965A2BE2}" type="slidenum">
               <a:rPr lang="en-US" smtClean="0"/>
-              <a:t>11</a:t>
+              <a:t>12</a:t>
             </a:fld>
             <a:endParaRPr lang="en-US" dirty="0"/>
           </a:p>
@@ -20647,7 +21071,7 @@
           <p:nvPr>
             <p:extLst>
               <p:ext uri="{D42A27DB-BD31-4B8C-83A1-F6EECF244321}">
-                <p14:modId xmlns:p14="http://schemas.microsoft.com/office/powerpoint/2010/main" val="747016954"/>
+                <p14:modId xmlns:p14="http://schemas.microsoft.com/office/powerpoint/2010/main" val="2424712074"/>
               </p:ext>
             </p:extLst>
           </p:nvPr>
@@ -20715,7 +21139,7 @@
           <a:p>
             <a:r>
               <a:rPr lang="en-US" dirty="0"/>
-              <a:t>Process: Data Creation</a:t>
+              <a:t>Process: Creating Imitation data</a:t>
             </a:r>
           </a:p>
         </p:txBody>
@@ -20802,17 +21226,7 @@
             </a:pPr>
             <a:r>
               <a:rPr lang="en-US" dirty="0"/>
-              <a:t>Get fake HR data from Kaggle (</a:t>
-            </a:r>
-            <a:r>
-              <a:rPr lang="en-US" dirty="0">
-                <a:hlinkClick r:id="rId2"/>
-              </a:rPr>
-              <a:t>https://www.kaggle.com/datasets/arashnic/hr-ana</a:t>
-            </a:r>
-            <a:r>
-              <a:rPr lang="en-US" dirty="0"/>
-              <a:t>)</a:t>
+              <a:t>Read in two of the months of simulation data created in tutorial 1</a:t>
             </a:r>
           </a:p>
           <a:p>
@@ -20822,13 +21236,8 @@
             </a:pPr>
             <a:r>
               <a:rPr lang="en-US" dirty="0"/>
-              <a:t>Read in data as pandas </a:t>
+              <a:t>Create changes in the August month that differentiate it from the July Dataset</a:t>
             </a:r>
-            <a:r>
-              <a:rPr lang="en-US" dirty="0" err="1"/>
-              <a:t>dataframe</a:t>
-            </a:r>
-            <a:endParaRPr lang="en-US" dirty="0"/>
           </a:p>
           <a:p>
             <a:pPr marL="800100" lvl="1" indent="-342900">
@@ -20837,27 +21246,17 @@
             </a:pPr>
             <a:r>
               <a:rPr lang="en-US" dirty="0"/>
-              <a:t>Make copies, representing different months</a:t>
-            </a:r>
-          </a:p>
-          <a:p>
-            <a:pPr marL="800100" lvl="1" indent="-342900">
-              <a:buFont typeface="+mj-lt"/>
-              <a:buAutoNum type="arabicPeriod"/>
-            </a:pPr>
-            <a:r>
-              <a:rPr lang="en-US" dirty="0"/>
-              <a:t>Randomly remove employees from different months to imitate employees leaving the company.</a:t>
+              <a:t>Resave the CSV’s to use later</a:t>
             </a:r>
           </a:p>
         </p:txBody>
       </p:sp>
       <p:pic>
         <p:nvPicPr>
-          <p:cNvPr id="16" name="Picture 15">
-            <a:extLst>
-              <a:ext uri="{FF2B5EF4-FFF2-40B4-BE49-F238E27FC236}">
-                <a16:creationId xmlns:a16="http://schemas.microsoft.com/office/drawing/2014/main" id="{3DC1E6DA-2E1D-F731-D83A-A1499254E6D4}"/>
+          <p:cNvPr id="3" name="Picture 2">
+            <a:extLst>
+              <a:ext uri="{FF2B5EF4-FFF2-40B4-BE49-F238E27FC236}">
+                <a16:creationId xmlns:a16="http://schemas.microsoft.com/office/drawing/2014/main" id="{02AAA03C-F23D-142F-E5EB-92DD6E27FC91}"/>
               </a:ext>
             </a:extLst>
           </p:cNvPr>
@@ -20867,15 +21266,15 @@
           <p:nvPr/>
         </p:nvPicPr>
         <p:blipFill>
-          <a:blip r:embed="rId3"/>
+          <a:blip r:embed="rId2"/>
           <a:stretch>
             <a:fillRect/>
           </a:stretch>
         </p:blipFill>
         <p:spPr>
           <a:xfrm>
-            <a:off x="5667726" y="2063491"/>
-            <a:ext cx="6073700" cy="3780718"/>
+            <a:off x="5582728" y="2159388"/>
+            <a:ext cx="6181207" cy="3070135"/>
           </a:xfrm>
           <a:prstGeom prst="rect">
             <a:avLst/>
@@ -20935,7 +21334,7 @@
           <a:p>
             <a:r>
               <a:rPr lang="en-US" dirty="0"/>
-              <a:t>Process: Data Preprocessing</a:t>
+              <a:t>Process: Automate Change Detection</a:t>
             </a:r>
           </a:p>
         </p:txBody>
@@ -20992,72 +21391,54 @@
           </a:xfrm>
         </p:spPr>
         <p:txBody>
-          <a:bodyPr/>
+          <a:bodyPr anchor="ctr"/>
           <a:lstStyle/>
           <a:p>
-            <a:r>
-              <a:rPr lang="en-US" dirty="0"/>
-              <a:t>Before we can format the data how we will need it in the future, we first need to join it all together.</a:t>
-            </a:r>
-            <a:endParaRPr lang="en-US" i="1" dirty="0"/>
-          </a:p>
-          <a:p>
-            <a:r>
-              <a:rPr lang="en-US" dirty="0"/>
-              <a:t>Steps:</a:t>
-            </a:r>
-          </a:p>
-          <a:p>
-            <a:pPr marL="800100" lvl="1" indent="-342900">
-              <a:buFont typeface="+mj-lt"/>
-              <a:buAutoNum type="arabicPeriod"/>
+            <a:pPr>
+              <a:lnSpc>
+                <a:spcPct val="100000"/>
+              </a:lnSpc>
             </a:pPr>
             <a:r>
               <a:rPr lang="en-US" dirty="0"/>
-              <a:t>Convert all the HR CSV files into </a:t>
+              <a:t>HR data changes from month to month, and previously these changes were manually checked</a:t>
+            </a:r>
+          </a:p>
+          <a:p>
+            <a:pPr>
+              <a:lnSpc>
+                <a:spcPct val="100000"/>
+              </a:lnSpc>
+            </a:pPr>
+            <a:r>
+              <a:rPr lang="en-US" dirty="0"/>
+              <a:t>Using Python, we are able to manually check for specific changes that we want to track</a:t>
+            </a:r>
+          </a:p>
+          <a:p>
+            <a:pPr>
+              <a:lnSpc>
+                <a:spcPct val="100000"/>
+              </a:lnSpc>
+            </a:pPr>
+            <a:r>
+              <a:rPr lang="en-US" dirty="0"/>
+              <a:t>We then store each change in a separate </a:t>
             </a:r>
             <a:r>
               <a:rPr lang="en-US" dirty="0" err="1"/>
-              <a:t>dataframes</a:t>
+              <a:t>dataframe</a:t>
             </a:r>
             <a:endParaRPr lang="en-US" dirty="0"/>
           </a:p>
-          <a:p>
-            <a:pPr marL="800100" lvl="1" indent="-342900">
-              <a:buFont typeface="+mj-lt"/>
-              <a:buAutoNum type="arabicPeriod"/>
-            </a:pPr>
-            <a:r>
-              <a:rPr lang="en-US" dirty="0"/>
-              <a:t>Create a column “extract date” that comes from the file name for each file (this will be used later)</a:t>
-            </a:r>
-          </a:p>
-          <a:p>
-            <a:pPr marL="800100" lvl="1" indent="-342900">
-              <a:buFont typeface="+mj-lt"/>
-              <a:buAutoNum type="arabicPeriod"/>
-            </a:pPr>
-            <a:r>
-              <a:rPr lang="en-US" dirty="0"/>
-              <a:t>Store the </a:t>
-            </a:r>
-            <a:r>
-              <a:rPr lang="en-US" dirty="0" err="1"/>
-              <a:t>dataframes</a:t>
-            </a:r>
-            <a:r>
-              <a:rPr lang="en-US" dirty="0"/>
-              <a:t> in a list</a:t>
-            </a:r>
-          </a:p>
         </p:txBody>
       </p:sp>
       <p:pic>
         <p:nvPicPr>
-          <p:cNvPr id="3" name="Picture 2">
-            <a:extLst>
-              <a:ext uri="{FF2B5EF4-FFF2-40B4-BE49-F238E27FC236}">
-                <a16:creationId xmlns:a16="http://schemas.microsoft.com/office/drawing/2014/main" id="{840C9BBA-B3E9-1CFD-E565-F5A697B8AA7D}"/>
+          <p:cNvPr id="5" name="Picture 4">
+            <a:extLst>
+              <a:ext uri="{FF2B5EF4-FFF2-40B4-BE49-F238E27FC236}">
+                <a16:creationId xmlns:a16="http://schemas.microsoft.com/office/drawing/2014/main" id="{2C9A9592-FE1F-EDCF-13F1-001A1F62760E}"/>
               </a:ext>
             </a:extLst>
           </p:cNvPr>
@@ -21074,8 +21455,8 @@
         </p:blipFill>
         <p:spPr>
           <a:xfrm>
-            <a:off x="6096000" y="2483105"/>
-            <a:ext cx="5274525" cy="2945338"/>
+            <a:off x="5166360" y="2067339"/>
+            <a:ext cx="6848793" cy="3776870"/>
           </a:xfrm>
           <a:prstGeom prst="rect">
             <a:avLst/>
@@ -21135,7 +21516,7 @@
           <a:p>
             <a:r>
               <a:rPr lang="en-US" dirty="0"/>
-              <a:t>Process: Data Wrangling</a:t>
+              <a:t>Process: Creating and formatting output</a:t>
             </a:r>
           </a:p>
         </p:txBody>
@@ -21192,7 +21573,7 @@
           </a:xfrm>
         </p:spPr>
         <p:txBody>
-          <a:bodyPr/>
+          <a:bodyPr anchor="ctr"/>
           <a:lstStyle/>
           <a:p>
             <a:endParaRPr lang="en-US" dirty="0"/>
@@ -21200,77 +21581,37 @@
           <a:p>
             <a:r>
               <a:rPr lang="en-US" dirty="0"/>
-              <a:t>Now we format the data how in the way that the system expects them to be input.</a:t>
+              <a:t>Finally, we can output the data for manual review (to confirm data integrity)</a:t>
             </a:r>
           </a:p>
           <a:p>
             <a:r>
               <a:rPr lang="en-US" dirty="0"/>
-              <a:t>Steps:</a:t>
-            </a:r>
-          </a:p>
-          <a:p>
-            <a:pPr marL="800100" lvl="1" indent="-342900">
-              <a:buFont typeface="+mj-lt"/>
-              <a:buAutoNum type="arabicPeriod"/>
-            </a:pPr>
-            <a:r>
-              <a:rPr lang="en-US" dirty="0"/>
-              <a:t>Change ‘gender’ and ‘</a:t>
+              <a:t>In this step we use each of our </a:t>
             </a:r>
             <a:r>
               <a:rPr lang="en-US" dirty="0" err="1"/>
-              <a:t>recruitment_channel</a:t>
+              <a:t>dataframes</a:t>
             </a:r>
             <a:r>
               <a:rPr lang="en-US" dirty="0"/>
-              <a:t>’ columns to be uppercase</a:t>
+              <a:t> representing a change we’re looking for to create a worksheet</a:t>
             </a:r>
           </a:p>
           <a:p>
-            <a:pPr marL="800100" lvl="1" indent="-342900">
-              <a:buFont typeface="+mj-lt"/>
-              <a:buAutoNum type="arabicPeriod"/>
-            </a:pPr>
             <a:r>
               <a:rPr lang="en-US" dirty="0"/>
-              <a:t>Ensure that ‘</a:t>
-            </a:r>
-            <a:r>
-              <a:rPr lang="en-US" dirty="0" err="1"/>
-              <a:t>employee_id</a:t>
-            </a:r>
-            <a:r>
-              <a:rPr lang="en-US" dirty="0"/>
-              <a:t>’ is a string</a:t>
-            </a:r>
-          </a:p>
-          <a:p>
-            <a:pPr marL="800100" lvl="1" indent="-342900">
-              <a:buFont typeface="+mj-lt"/>
-              <a:buAutoNum type="arabicPeriod"/>
-            </a:pPr>
-            <a:r>
-              <a:rPr lang="en-US" dirty="0"/>
-              <a:t>Create a ‘</a:t>
-            </a:r>
-            <a:r>
-              <a:rPr lang="en-US" dirty="0" err="1"/>
-              <a:t>currently_active</a:t>
-            </a:r>
-            <a:r>
-              <a:rPr lang="en-US" dirty="0"/>
-              <a:t>’ indicator that tells whether an employee is still working for the company</a:t>
+              <a:t>These worksheets are a part of the same workbook, which contains all of the changes as separate tabs</a:t>
             </a:r>
           </a:p>
         </p:txBody>
       </p:sp>
       <p:pic>
         <p:nvPicPr>
-          <p:cNvPr id="3" name="Picture 2">
-            <a:extLst>
-              <a:ext uri="{FF2B5EF4-FFF2-40B4-BE49-F238E27FC236}">
-                <a16:creationId xmlns:a16="http://schemas.microsoft.com/office/drawing/2014/main" id="{EB244D67-0FDF-C9BB-7C46-4CECE076EFF6}"/>
+          <p:cNvPr id="5" name="Picture 4">
+            <a:extLst>
+              <a:ext uri="{FF2B5EF4-FFF2-40B4-BE49-F238E27FC236}">
+                <a16:creationId xmlns:a16="http://schemas.microsoft.com/office/drawing/2014/main" id="{5D821672-220B-1FEF-66BA-34D265B3B390}"/>
               </a:ext>
             </a:extLst>
           </p:cNvPr>
@@ -21287,8 +21628,8 @@
         </p:blipFill>
         <p:spPr>
           <a:xfrm>
-            <a:off x="5166360" y="2516043"/>
-            <a:ext cx="6891130" cy="3099566"/>
+            <a:off x="5555849" y="2376056"/>
+            <a:ext cx="6359324" cy="3160391"/>
           </a:xfrm>
           <a:prstGeom prst="rect">
             <a:avLst/>
@@ -21343,12 +21684,12 @@
         </p:nvSpPr>
         <p:spPr/>
         <p:txBody>
-          <a:bodyPr/>
+          <a:bodyPr anchor="t"/>
           <a:lstStyle/>
           <a:p>
             <a:r>
               <a:rPr lang="en-US" dirty="0"/>
-              <a:t>Roadblocks</a:t>
+              <a:t>Output</a:t>
             </a:r>
           </a:p>
         </p:txBody>
@@ -21382,131 +21723,40 @@
           </a:p>
         </p:txBody>
       </p:sp>
-      <p:sp>
-        <p:nvSpPr>
-          <p:cNvPr id="3" name="Text Placeholder 2">
-            <a:extLst>
-              <a:ext uri="{FF2B5EF4-FFF2-40B4-BE49-F238E27FC236}">
-                <a16:creationId xmlns:a16="http://schemas.microsoft.com/office/drawing/2014/main" id="{C31605EE-24B6-95D8-DE5E-BEC2F03ECECA}"/>
-              </a:ext>
-            </a:extLst>
-          </p:cNvPr>
-          <p:cNvSpPr>
-            <a:spLocks noGrp="1"/>
-          </p:cNvSpPr>
-          <p:nvPr>
-            <p:ph type="body" idx="1"/>
-          </p:nvPr>
-        </p:nvSpPr>
-        <p:spPr/>
-        <p:txBody>
-          <a:bodyPr/>
-          <a:lstStyle/>
-          <a:p>
-            <a:r>
-              <a:rPr lang="en-US" dirty="0"/>
-              <a:t>Technical</a:t>
-            </a:r>
-          </a:p>
-        </p:txBody>
-      </p:sp>
-      <p:sp>
-        <p:nvSpPr>
-          <p:cNvPr id="4" name="Content Placeholder 3">
-            <a:extLst>
-              <a:ext uri="{FF2B5EF4-FFF2-40B4-BE49-F238E27FC236}">
-                <a16:creationId xmlns:a16="http://schemas.microsoft.com/office/drawing/2014/main" id="{BE22F651-7ABC-015D-B5C4-622708A64CB1}"/>
-              </a:ext>
-            </a:extLst>
-          </p:cNvPr>
-          <p:cNvSpPr>
-            <a:spLocks noGrp="1"/>
-          </p:cNvSpPr>
-          <p:nvPr>
-            <p:ph sz="half" idx="2"/>
-          </p:nvPr>
-        </p:nvSpPr>
-        <p:spPr/>
-        <p:txBody>
-          <a:bodyPr/>
-          <a:lstStyle/>
-          <a:p>
-            <a:r>
-              <a:rPr lang="en-US" dirty="0"/>
-              <a:t>Trying to do this in both Tableau Flow and Python proved to be difficult (team knows Tableau flow, but running it in Python is much faster)</a:t>
-            </a:r>
-          </a:p>
-          <a:p>
-            <a:endParaRPr lang="en-US" dirty="0"/>
-          </a:p>
-        </p:txBody>
-      </p:sp>
-      <p:sp>
-        <p:nvSpPr>
-          <p:cNvPr id="5" name="Text Placeholder 4">
-            <a:extLst>
-              <a:ext uri="{FF2B5EF4-FFF2-40B4-BE49-F238E27FC236}">
-                <a16:creationId xmlns:a16="http://schemas.microsoft.com/office/drawing/2014/main" id="{6A1E0F07-3291-4EE2-1286-04C97165BA68}"/>
-              </a:ext>
-            </a:extLst>
-          </p:cNvPr>
-          <p:cNvSpPr>
-            <a:spLocks noGrp="1"/>
-          </p:cNvSpPr>
-          <p:nvPr>
-            <p:ph type="body" sz="quarter" idx="3"/>
-          </p:nvPr>
-        </p:nvSpPr>
-        <p:spPr/>
-        <p:txBody>
-          <a:bodyPr/>
-          <a:lstStyle/>
-          <a:p>
-            <a:r>
-              <a:rPr lang="en-US" dirty="0"/>
-              <a:t>Other</a:t>
-            </a:r>
-          </a:p>
-        </p:txBody>
-      </p:sp>
-      <p:sp>
-        <p:nvSpPr>
-          <p:cNvPr id="6" name="Content Placeholder 5">
-            <a:extLst>
-              <a:ext uri="{FF2B5EF4-FFF2-40B4-BE49-F238E27FC236}">
-                <a16:creationId xmlns:a16="http://schemas.microsoft.com/office/drawing/2014/main" id="{3DF22CC9-1295-2B21-05A9-68A44E669B8F}"/>
-              </a:ext>
-            </a:extLst>
-          </p:cNvPr>
-          <p:cNvSpPr>
-            <a:spLocks noGrp="1"/>
-          </p:cNvSpPr>
-          <p:nvPr>
-            <p:ph sz="quarter" idx="4"/>
-          </p:nvPr>
-        </p:nvSpPr>
-        <p:spPr/>
-        <p:txBody>
-          <a:bodyPr/>
-          <a:lstStyle/>
-          <a:p>
-            <a:r>
-              <a:rPr lang="en-US" dirty="0"/>
-              <a:t>Team is nontechnical, so any changes I made or code I created had to be meticulously documented</a:t>
-            </a:r>
-          </a:p>
-          <a:p>
-            <a:r>
-              <a:rPr lang="en-US" dirty="0"/>
-              <a:t>Balancing this project with other projects and responsibilities</a:t>
-            </a:r>
-          </a:p>
-        </p:txBody>
-      </p:sp>
+      <p:pic>
+        <p:nvPicPr>
+          <p:cNvPr id="7" name="Picture 6">
+            <a:extLst>
+              <a:ext uri="{FF2B5EF4-FFF2-40B4-BE49-F238E27FC236}">
+                <a16:creationId xmlns:a16="http://schemas.microsoft.com/office/drawing/2014/main" id="{FD1FBA83-EAD4-7CF1-33DA-18C567461A01}"/>
+              </a:ext>
+            </a:extLst>
+          </p:cNvPr>
+          <p:cNvPicPr>
+            <a:picLocks noChangeAspect="1"/>
+          </p:cNvPicPr>
+          <p:nvPr/>
+        </p:nvPicPr>
+        <p:blipFill>
+          <a:blip r:embed="rId2"/>
+          <a:stretch>
+            <a:fillRect/>
+          </a:stretch>
+        </p:blipFill>
+        <p:spPr>
+          <a:xfrm>
+            <a:off x="2522394" y="1287841"/>
+            <a:ext cx="8566230" cy="5570159"/>
+          </a:xfrm>
+          <a:prstGeom prst="rect">
+            <a:avLst/>
+          </a:prstGeom>
+        </p:spPr>
+      </p:pic>
     </p:spTree>
     <p:extLst>
       <p:ext uri="{BB962C8B-B14F-4D97-AF65-F5344CB8AC3E}">
-        <p14:creationId xmlns:p14="http://schemas.microsoft.com/office/powerpoint/2010/main" val="3713828111"/>
+        <p14:creationId xmlns:p14="http://schemas.microsoft.com/office/powerpoint/2010/main" val="3147078314"/>
       </p:ext>
     </p:extLst>
   </p:cSld>
